--- a/Модульный экзамен/ПрезентацияМодульныйЭкзамен_Богомолов_П1-17.pptx
+++ b/Модульный экзамен/ПрезентацияМодульныйЭкзамен_Богомолов_П1-17.pptx
@@ -246,7 +246,7 @@
           <a:p>
             <a:fld id="{4E105A03-F46C-434B-ACCD-8BECD8CD3350}" type="datetimeFigureOut">
               <a:rPr lang="ru-RU" smtClean="0"/>
-              <a:t>01.07.2020</a:t>
+              <a:t>03.07.2020</a:t>
             </a:fld>
             <a:endParaRPr lang="ru-RU"/>
           </a:p>
@@ -879,7 +879,7 @@
           <a:p>
             <a:fld id="{4E105A03-F46C-434B-ACCD-8BECD8CD3350}" type="datetimeFigureOut">
               <a:rPr lang="ru-RU" smtClean="0"/>
-              <a:t>01.07.2020</a:t>
+              <a:t>03.07.2020</a:t>
             </a:fld>
             <a:endParaRPr lang="ru-RU"/>
           </a:p>
@@ -1156,7 +1156,7 @@
           <a:p>
             <a:fld id="{4E105A03-F46C-434B-ACCD-8BECD8CD3350}" type="datetimeFigureOut">
               <a:rPr lang="ru-RU" smtClean="0"/>
-              <a:t>01.07.2020</a:t>
+              <a:t>03.07.2020</a:t>
             </a:fld>
             <a:endParaRPr lang="ru-RU"/>
           </a:p>
@@ -1321,7 +1321,7 @@
           <a:p>
             <a:fld id="{4E105A03-F46C-434B-ACCD-8BECD8CD3350}" type="datetimeFigureOut">
               <a:rPr lang="ru-RU" smtClean="0"/>
-              <a:t>01.07.2020</a:t>
+              <a:t>03.07.2020</a:t>
             </a:fld>
             <a:endParaRPr lang="ru-RU"/>
           </a:p>
@@ -1502,7 +1502,7 @@
           <a:p>
             <a:fld id="{4E105A03-F46C-434B-ACCD-8BECD8CD3350}" type="datetimeFigureOut">
               <a:rPr lang="ru-RU" smtClean="0"/>
-              <a:t>01.07.2020</a:t>
+              <a:t>03.07.2020</a:t>
             </a:fld>
             <a:endParaRPr lang="ru-RU"/>
           </a:p>
@@ -2147,7 +2147,7 @@
           <a:p>
             <a:fld id="{4E105A03-F46C-434B-ACCD-8BECD8CD3350}" type="datetimeFigureOut">
               <a:rPr lang="ru-RU" smtClean="0"/>
-              <a:t>01.07.2020</a:t>
+              <a:t>03.07.2020</a:t>
             </a:fld>
             <a:endParaRPr lang="ru-RU"/>
           </a:p>
@@ -2573,7 +2573,7 @@
           <a:p>
             <a:fld id="{4E105A03-F46C-434B-ACCD-8BECD8CD3350}" type="datetimeFigureOut">
               <a:rPr lang="ru-RU" smtClean="0"/>
-              <a:t>01.07.2020</a:t>
+              <a:t>03.07.2020</a:t>
             </a:fld>
             <a:endParaRPr lang="ru-RU"/>
           </a:p>
@@ -2686,7 +2686,7 @@
           <a:p>
             <a:fld id="{4E105A03-F46C-434B-ACCD-8BECD8CD3350}" type="datetimeFigureOut">
               <a:rPr lang="ru-RU" smtClean="0"/>
-              <a:t>01.07.2020</a:t>
+              <a:t>03.07.2020</a:t>
             </a:fld>
             <a:endParaRPr lang="ru-RU"/>
           </a:p>
@@ -2867,7 +2867,7 @@
           <a:p>
             <a:fld id="{4E105A03-F46C-434B-ACCD-8BECD8CD3350}" type="datetimeFigureOut">
               <a:rPr lang="ru-RU" smtClean="0"/>
-              <a:t>01.07.2020</a:t>
+              <a:t>03.07.2020</a:t>
             </a:fld>
             <a:endParaRPr lang="ru-RU"/>
           </a:p>
@@ -3133,7 +3133,7 @@
           <a:p>
             <a:fld id="{4E105A03-F46C-434B-ACCD-8BECD8CD3350}" type="datetimeFigureOut">
               <a:rPr lang="ru-RU" smtClean="0"/>
-              <a:t>01.07.2020</a:t>
+              <a:t>03.07.2020</a:t>
             </a:fld>
             <a:endParaRPr lang="ru-RU"/>
           </a:p>
@@ -3603,7 +3603,7 @@
           <a:p>
             <a:fld id="{4E105A03-F46C-434B-ACCD-8BECD8CD3350}" type="datetimeFigureOut">
               <a:rPr lang="ru-RU" smtClean="0"/>
-              <a:t>01.07.2020</a:t>
+              <a:t>03.07.2020</a:t>
             </a:fld>
             <a:endParaRPr lang="ru-RU"/>
           </a:p>
@@ -4163,7 +4163,7 @@
           <a:p>
             <a:fld id="{4E105A03-F46C-434B-ACCD-8BECD8CD3350}" type="datetimeFigureOut">
               <a:rPr lang="ru-RU" smtClean="0"/>
-              <a:t>01.07.2020</a:t>
+              <a:t>03.07.2020</a:t>
             </a:fld>
             <a:endParaRPr lang="ru-RU"/>
           </a:p>
@@ -5413,12 +5413,18 @@
         </p:nvSpPr>
         <p:spPr/>
         <p:txBody>
-          <a:bodyPr/>
-          <a:lstStyle/>
-          <a:p>
+          <a:bodyPr>
+            <a:normAutofit fontScale="90000"/>
+          </a:bodyPr>
+          <a:lstStyle/>
+          <a:p>
+            <a:r>
+              <a:rPr lang="ru-RU" dirty="0"/>
+              <a:t>сформированность </a:t>
+            </a:r>
             <a:r>
               <a:rPr lang="ru-RU" dirty="0" smtClean="0"/>
-              <a:t>Использование компетенций</a:t>
+              <a:t>компетенций</a:t>
             </a:r>
             <a:endParaRPr lang="ru-RU" dirty="0"/>
           </a:p>

--- a/Модульный экзамен/ПрезентацияМодульныйЭкзамен_Богомолов_П1-17.pptx
+++ b/Модульный экзамен/ПрезентацияМодульныйЭкзамен_Богомолов_П1-17.pptx
@@ -8,8 +8,8 @@
     <p:sldId id="272" r:id="rId2"/>
     <p:sldId id="257" r:id="rId3"/>
     <p:sldId id="258" r:id="rId4"/>
-    <p:sldId id="259" r:id="rId5"/>
-    <p:sldId id="260" r:id="rId6"/>
+    <p:sldId id="260" r:id="rId5"/>
+    <p:sldId id="259" r:id="rId6"/>
     <p:sldId id="261" r:id="rId7"/>
     <p:sldId id="262" r:id="rId8"/>
     <p:sldId id="263" r:id="rId9"/>
@@ -5440,7 +5440,7 @@
             <p:ph idx="1"/>
             <p:extLst>
               <p:ext uri="{D42A27DB-BD31-4B8C-83A1-F6EECF244321}">
-                <p14:modId xmlns:p14="http://schemas.microsoft.com/office/powerpoint/2010/main" val="1747884517"/>
+                <p14:modId xmlns:p14="http://schemas.microsoft.com/office/powerpoint/2010/main" val="880753258"/>
               </p:ext>
             </p:extLst>
           </p:nvPr>
@@ -5575,7 +5575,11 @@
                     <a:bodyPr/>
                     <a:lstStyle/>
                     <a:p>
-                      <a:endParaRPr lang="ru-RU"/>
+                      <a:r>
+                        <a:rPr lang="ru-RU" dirty="0" smtClean="0"/>
+                        <a:t>+</a:t>
+                      </a:r>
+                      <a:endParaRPr lang="ru-RU" dirty="0"/>
                     </a:p>
                   </a:txBody>
                   <a:tcPr/>
@@ -5599,10 +5603,6 @@
                     <a:bodyPr/>
                     <a:lstStyle/>
                     <a:p>
-                      <a:r>
-                        <a:rPr lang="ru-RU" dirty="0" smtClean="0"/>
-                        <a:t>+</a:t>
-                      </a:r>
                       <a:endParaRPr lang="ru-RU" dirty="0"/>
                     </a:p>
                   </a:txBody>
@@ -5649,10 +5649,6 @@
                     <a:bodyPr/>
                     <a:lstStyle/>
                     <a:p>
-                      <a:r>
-                        <a:rPr lang="ru-RU" dirty="0" smtClean="0"/>
-                        <a:t>+</a:t>
-                      </a:r>
                       <a:endParaRPr lang="ru-RU" dirty="0"/>
                     </a:p>
                   </a:txBody>
@@ -5677,7 +5673,11 @@
                     <a:bodyPr/>
                     <a:lstStyle/>
                     <a:p>
-                      <a:endParaRPr lang="ru-RU"/>
+                      <a:r>
+                        <a:rPr lang="ru-RU" dirty="0" smtClean="0"/>
+                        <a:t>+</a:t>
+                      </a:r>
+                      <a:endParaRPr lang="ru-RU" dirty="0"/>
                     </a:p>
                   </a:txBody>
                   <a:tcPr/>
@@ -6136,7 +6136,15 @@
           <a:p>
             <a:r>
               <a:rPr lang="ru-RU" dirty="0" smtClean="0"/>
-              <a:t>ПК 1.1 для УП.01 </a:t>
+              <a:t>ПК </a:t>
+            </a:r>
+            <a:r>
+              <a:rPr lang="ru-RU" dirty="0" smtClean="0"/>
+              <a:t>1.1 </a:t>
+            </a:r>
+            <a:r>
+              <a:rPr lang="ru-RU" dirty="0" smtClean="0"/>
+              <a:t>для МДК01.02</a:t>
             </a:r>
             <a:endParaRPr lang="ru-RU" dirty="0"/>
           </a:p>
@@ -6144,7 +6152,7 @@
       </p:sp>
       <p:pic>
         <p:nvPicPr>
-          <p:cNvPr id="6" name="Объект 5"/>
+          <p:cNvPr id="4" name="Объект 3"/>
           <p:cNvPicPr>
             <a:picLocks noGrp="1" noChangeAspect="1"/>
           </p:cNvPicPr>
@@ -6166,15 +6174,97 @@
         </p:blipFill>
         <p:spPr>
           <a:xfrm>
-            <a:off x="1410675" y="1752600"/>
-            <a:ext cx="6322650" cy="4373563"/>
-          </a:xfrm>
+            <a:off x="4139952" y="2053535"/>
+            <a:ext cx="1428950" cy="3839111"/>
+          </a:xfrm>
+        </p:spPr>
+      </p:pic>
+      <p:pic>
+        <p:nvPicPr>
+          <p:cNvPr id="1026" name="Picture 2" descr="C:\Users\skaer2\Documents\сети\модульникПРезентация\пк2МДК2(2).PNG"/>
+          <p:cNvPicPr>
+            <a:picLocks noChangeAspect="1" noChangeArrowheads="1"/>
+          </p:cNvPicPr>
+          <p:nvPr/>
+        </p:nvPicPr>
+        <p:blipFill>
+          <a:blip r:embed="rId3">
+            <a:extLst>
+              <a:ext uri="{28A0092B-C50C-407E-A947-70E740481C1C}">
+                <a14:useLocalDpi xmlns:a14="http://schemas.microsoft.com/office/drawing/2010/main" val="0"/>
+              </a:ext>
+            </a:extLst>
+          </a:blip>
+          <a:srcRect/>
+          <a:stretch>
+            <a:fillRect/>
+          </a:stretch>
+        </p:blipFill>
+        <p:spPr bwMode="auto">
+          <a:xfrm>
+            <a:off x="251520" y="2839616"/>
+            <a:ext cx="3676650" cy="2266950"/>
+          </a:xfrm>
+          <a:prstGeom prst="rect">
+            <a:avLst/>
+          </a:prstGeom>
+          <a:noFill/>
+          <a:extLst>
+            <a:ext uri="{909E8E84-426E-40DD-AFC4-6F175D3DCCD1}">
+              <a14:hiddenFill xmlns:a14="http://schemas.microsoft.com/office/drawing/2010/main">
+                <a:solidFill>
+                  <a:srgbClr val="FFFFFF"/>
+                </a:solidFill>
+              </a14:hiddenFill>
+            </a:ext>
+          </a:extLst>
+        </p:spPr>
+      </p:pic>
+      <p:pic>
+        <p:nvPicPr>
+          <p:cNvPr id="1028" name="Picture 4" descr="C:\Users\skaer2\Documents\сети\модульникПРезентация\пк2МДК2(3).PNG"/>
+          <p:cNvPicPr>
+            <a:picLocks noChangeAspect="1" noChangeArrowheads="1"/>
+          </p:cNvPicPr>
+          <p:nvPr/>
+        </p:nvPicPr>
+        <p:blipFill>
+          <a:blip r:embed="rId4">
+            <a:extLst>
+              <a:ext uri="{28A0092B-C50C-407E-A947-70E740481C1C}">
+                <a14:useLocalDpi xmlns:a14="http://schemas.microsoft.com/office/drawing/2010/main" val="0"/>
+              </a:ext>
+            </a:extLst>
+          </a:blip>
+          <a:srcRect/>
+          <a:stretch>
+            <a:fillRect/>
+          </a:stretch>
+        </p:blipFill>
+        <p:spPr bwMode="auto">
+          <a:xfrm>
+            <a:off x="5742549" y="1772816"/>
+            <a:ext cx="3257550" cy="4400550"/>
+          </a:xfrm>
+          <a:prstGeom prst="rect">
+            <a:avLst/>
+          </a:prstGeom>
+          <a:noFill/>
+          <a:extLst>
+            <a:ext uri="{909E8E84-426E-40DD-AFC4-6F175D3DCCD1}">
+              <a14:hiddenFill xmlns:a14="http://schemas.microsoft.com/office/drawing/2010/main">
+                <a:solidFill>
+                  <a:srgbClr val="FFFFFF"/>
+                </a:solidFill>
+              </a14:hiddenFill>
+            </a:ext>
+          </a:extLst>
         </p:spPr>
       </p:pic>
     </p:spTree>
     <p:extLst>
       <p:ext uri="{BB962C8B-B14F-4D97-AF65-F5344CB8AC3E}">
-        <p14:creationId xmlns:p14="http://schemas.microsoft.com/office/powerpoint/2010/main" val="4025144057"/>
+        <p14:creationId xmlns:p14="http://schemas.microsoft.com/office/powerpoint/2010/main" val="2708035829"/>
       </p:ext>
     </p:extLst>
   </p:cSld>
@@ -6225,7 +6315,15 @@
           <a:p>
             <a:r>
               <a:rPr lang="ru-RU" dirty="0" smtClean="0"/>
-              <a:t>ПК 1.2 для МДК01.02</a:t>
+              <a:t>ПК </a:t>
+            </a:r>
+            <a:r>
+              <a:rPr lang="ru-RU" dirty="0" smtClean="0"/>
+              <a:t>1.2 </a:t>
+            </a:r>
+            <a:r>
+              <a:rPr lang="ru-RU" dirty="0" smtClean="0"/>
+              <a:t>для УП.01 </a:t>
             </a:r>
             <a:endParaRPr lang="ru-RU" dirty="0"/>
           </a:p>
@@ -6233,7 +6331,7 @@
       </p:sp>
       <p:pic>
         <p:nvPicPr>
-          <p:cNvPr id="4" name="Объект 3"/>
+          <p:cNvPr id="6" name="Объект 5"/>
           <p:cNvPicPr>
             <a:picLocks noGrp="1" noChangeAspect="1"/>
           </p:cNvPicPr>
@@ -6255,97 +6353,15 @@
         </p:blipFill>
         <p:spPr>
           <a:xfrm>
-            <a:off x="4139952" y="2053535"/>
-            <a:ext cx="1428950" cy="3839111"/>
-          </a:xfrm>
-        </p:spPr>
-      </p:pic>
-      <p:pic>
-        <p:nvPicPr>
-          <p:cNvPr id="1026" name="Picture 2" descr="C:\Users\skaer2\Documents\сети\модульникПРезентация\пк2МДК2(2).PNG"/>
-          <p:cNvPicPr>
-            <a:picLocks noChangeAspect="1" noChangeArrowheads="1"/>
-          </p:cNvPicPr>
-          <p:nvPr/>
-        </p:nvPicPr>
-        <p:blipFill>
-          <a:blip r:embed="rId3">
-            <a:extLst>
-              <a:ext uri="{28A0092B-C50C-407E-A947-70E740481C1C}">
-                <a14:useLocalDpi xmlns:a14="http://schemas.microsoft.com/office/drawing/2010/main" val="0"/>
-              </a:ext>
-            </a:extLst>
-          </a:blip>
-          <a:srcRect/>
-          <a:stretch>
-            <a:fillRect/>
-          </a:stretch>
-        </p:blipFill>
-        <p:spPr bwMode="auto">
-          <a:xfrm>
-            <a:off x="251520" y="2839616"/>
-            <a:ext cx="3676650" cy="2266950"/>
-          </a:xfrm>
-          <a:prstGeom prst="rect">
-            <a:avLst/>
-          </a:prstGeom>
-          <a:noFill/>
-          <a:extLst>
-            <a:ext uri="{909E8E84-426E-40DD-AFC4-6F175D3DCCD1}">
-              <a14:hiddenFill xmlns:a14="http://schemas.microsoft.com/office/drawing/2010/main">
-                <a:solidFill>
-                  <a:srgbClr val="FFFFFF"/>
-                </a:solidFill>
-              </a14:hiddenFill>
-            </a:ext>
-          </a:extLst>
-        </p:spPr>
-      </p:pic>
-      <p:pic>
-        <p:nvPicPr>
-          <p:cNvPr id="1028" name="Picture 4" descr="C:\Users\skaer2\Documents\сети\модульникПРезентация\пк2МДК2(3).PNG"/>
-          <p:cNvPicPr>
-            <a:picLocks noChangeAspect="1" noChangeArrowheads="1"/>
-          </p:cNvPicPr>
-          <p:nvPr/>
-        </p:nvPicPr>
-        <p:blipFill>
-          <a:blip r:embed="rId4">
-            <a:extLst>
-              <a:ext uri="{28A0092B-C50C-407E-A947-70E740481C1C}">
-                <a14:useLocalDpi xmlns:a14="http://schemas.microsoft.com/office/drawing/2010/main" val="0"/>
-              </a:ext>
-            </a:extLst>
-          </a:blip>
-          <a:srcRect/>
-          <a:stretch>
-            <a:fillRect/>
-          </a:stretch>
-        </p:blipFill>
-        <p:spPr bwMode="auto">
-          <a:xfrm>
-            <a:off x="5742549" y="1772816"/>
-            <a:ext cx="3257550" cy="4400550"/>
-          </a:xfrm>
-          <a:prstGeom prst="rect">
-            <a:avLst/>
-          </a:prstGeom>
-          <a:noFill/>
-          <a:extLst>
-            <a:ext uri="{909E8E84-426E-40DD-AFC4-6F175D3DCCD1}">
-              <a14:hiddenFill xmlns:a14="http://schemas.microsoft.com/office/drawing/2010/main">
-                <a:solidFill>
-                  <a:srgbClr val="FFFFFF"/>
-                </a:solidFill>
-              </a14:hiddenFill>
-            </a:ext>
-          </a:extLst>
+            <a:off x="1410675" y="1752600"/>
+            <a:ext cx="6322650" cy="4373563"/>
+          </a:xfrm>
         </p:spPr>
       </p:pic>
     </p:spTree>
     <p:extLst>
       <p:ext uri="{BB962C8B-B14F-4D97-AF65-F5344CB8AC3E}">
-        <p14:creationId xmlns:p14="http://schemas.microsoft.com/office/powerpoint/2010/main" val="2708035829"/>
+        <p14:creationId xmlns:p14="http://schemas.microsoft.com/office/powerpoint/2010/main" val="4025144057"/>
       </p:ext>
     </p:extLst>
   </p:cSld>
